--- a/PowerBI_PowerApps.pptx
+++ b/PowerBI_PowerApps.pptx
@@ -5,11 +5,12 @@
     <p:sldMasterId id="2147483648" r:id="rId1"/>
   </p:sldMasterIdLst>
   <p:notesMasterIdLst>
-    <p:notesMasterId r:id="rId4"/>
+    <p:notesMasterId r:id="rId5"/>
   </p:notesMasterIdLst>
   <p:sldIdLst>
     <p:sldId id="340" r:id="rId2"/>
-    <p:sldId id="273" r:id="rId3"/>
+    <p:sldId id="341" r:id="rId3"/>
+    <p:sldId id="273" r:id="rId4"/>
   </p:sldIdLst>
   <p:sldSz cx="12192000" cy="6858000"/>
   <p:notesSz cx="6858000" cy="9144000"/>
@@ -3814,6 +3815,758 @@
       </p:grpSpPr>
       <p:sp>
         <p:nvSpPr>
+          <p:cNvPr id="2" name="TextBox 1">
+            <a:extLst>
+              <a:ext uri="{FF2B5EF4-FFF2-40B4-BE49-F238E27FC236}">
+                <a16:creationId xmlns:a16="http://schemas.microsoft.com/office/drawing/2014/main" id="{301CFC4F-1491-3746-9888-A73947FDA337}"/>
+              </a:ext>
+            </a:extLst>
+          </p:cNvPr>
+          <p:cNvSpPr txBox="1"/>
+          <p:nvPr/>
+        </p:nvSpPr>
+        <p:spPr>
+          <a:xfrm>
+            <a:off x="0" y="144114"/>
+            <a:ext cx="4475264" cy="523220"/>
+          </a:xfrm>
+          <a:prstGeom prst="rect">
+            <a:avLst/>
+          </a:prstGeom>
+          <a:noFill/>
+        </p:spPr>
+        <p:txBody>
+          <a:bodyPr wrap="none" rtlCol="0">
+            <a:spAutoFit/>
+          </a:bodyPr>
+          <a:lstStyle/>
+          <a:p>
+            <a:r>
+              <a:rPr lang="en-US" sz="2800" b="1" dirty="0"/>
+              <a:t>Power BI Online (in browser)</a:t>
+            </a:r>
+          </a:p>
+        </p:txBody>
+      </p:sp>
+      <p:sp>
+        <p:nvSpPr>
+          <p:cNvPr id="3" name="TextBox 2">
+            <a:extLst>
+              <a:ext uri="{FF2B5EF4-FFF2-40B4-BE49-F238E27FC236}">
+                <a16:creationId xmlns:a16="http://schemas.microsoft.com/office/drawing/2014/main" id="{0AE8F760-9D1D-E943-9AC5-AC71A7E82E85}"/>
+              </a:ext>
+            </a:extLst>
+          </p:cNvPr>
+          <p:cNvSpPr txBox="1"/>
+          <p:nvPr/>
+        </p:nvSpPr>
+        <p:spPr>
+          <a:xfrm>
+            <a:off x="153382" y="4268293"/>
+            <a:ext cx="5013592" cy="1600438"/>
+          </a:xfrm>
+          <a:prstGeom prst="rect">
+            <a:avLst/>
+          </a:prstGeom>
+          <a:noFill/>
+        </p:spPr>
+        <p:txBody>
+          <a:bodyPr wrap="square" rtlCol="0">
+            <a:spAutoFit/>
+          </a:bodyPr>
+          <a:lstStyle/>
+          <a:p>
+            <a:r>
+              <a:rPr lang="en-US" sz="1400" b="1" dirty="0">
+                <a:solidFill>
+                  <a:srgbClr val="FF0000"/>
+                </a:solidFill>
+              </a:rPr>
+              <a:t>DAX</a:t>
+            </a:r>
+            <a:r>
+              <a:rPr lang="en-US" sz="1400" dirty="0"/>
+              <a:t> = Data Analysis Expressions </a:t>
+            </a:r>
+          </a:p>
+          <a:p>
+            <a:r>
+              <a:rPr lang="en-US" sz="1400" dirty="0"/>
+              <a:t>(available only in Windows Desktop app)</a:t>
+            </a:r>
+          </a:p>
+          <a:p>
+            <a:r>
+              <a:rPr lang="en-US" sz="1400" dirty="0"/>
+              <a:t>Formula language with functions - similar to Microsoft Excel</a:t>
+            </a:r>
+          </a:p>
+          <a:p>
+            <a:r>
+              <a:rPr lang="en-US" sz="1400" dirty="0"/>
+              <a:t>Good introduction video:</a:t>
+            </a:r>
+          </a:p>
+          <a:p>
+            <a:r>
+              <a:rPr lang="en-US" sz="1400" dirty="0"/>
+              <a:t> - </a:t>
+            </a:r>
+            <a:r>
+              <a:rPr lang="en-US" sz="1400" dirty="0">
+                <a:hlinkClick r:id="rId2"/>
+              </a:rPr>
+              <a:t>https://www.youtube.com/watch?v=waG_JhBgUpM</a:t>
+            </a:r>
+            <a:r>
+              <a:rPr lang="en-US" sz="1400" dirty="0"/>
+              <a:t> </a:t>
+            </a:r>
+          </a:p>
+          <a:p>
+            <a:r>
+              <a:rPr lang="en-US" sz="1400" dirty="0"/>
+              <a:t>Measure = &lt;some DAX function&gt;.</a:t>
+            </a:r>
+          </a:p>
+          <a:p>
+            <a:r>
+              <a:rPr lang="en-US" sz="1400" dirty="0"/>
+              <a:t>Total Number = sum(</a:t>
+            </a:r>
+            <a:r>
+              <a:rPr lang="en-US" sz="1400" dirty="0" err="1"/>
+              <a:t>TabName</a:t>
+            </a:r>
+            <a:r>
+              <a:rPr lang="en-US" sz="1400" dirty="0"/>
+              <a:t>[</a:t>
+            </a:r>
+            <a:r>
+              <a:rPr lang="en-US" sz="1400" dirty="0" err="1"/>
+              <a:t>ColName</a:t>
+            </a:r>
+            <a:r>
+              <a:rPr lang="en-US" sz="1400" dirty="0"/>
+              <a:t>])</a:t>
+            </a:r>
+          </a:p>
+        </p:txBody>
+      </p:sp>
+      <p:pic>
+        <p:nvPicPr>
+          <p:cNvPr id="1026" name="Picture 2" descr="The user interface in Power BI Desktop">
+            <a:extLst>
+              <a:ext uri="{FF2B5EF4-FFF2-40B4-BE49-F238E27FC236}">
+                <a16:creationId xmlns:a16="http://schemas.microsoft.com/office/drawing/2014/main" id="{3D85B796-2B5B-9148-BB8C-B58C78102316}"/>
+              </a:ext>
+            </a:extLst>
+          </p:cNvPr>
+          <p:cNvPicPr>
+            <a:picLocks noChangeAspect="1" noChangeArrowheads="1"/>
+          </p:cNvPicPr>
+          <p:nvPr/>
+        </p:nvPicPr>
+        <p:blipFill>
+          <a:blip r:embed="rId3" cstate="email">
+            <a:extLst>
+              <a:ext uri="{28A0092B-C50C-407E-A947-70E740481C1C}">
+                <a14:useLocalDpi xmlns:a14="http://schemas.microsoft.com/office/drawing/2010/main"/>
+              </a:ext>
+            </a:extLst>
+          </a:blip>
+          <a:srcRect/>
+          <a:stretch>
+            <a:fillRect/>
+          </a:stretch>
+        </p:blipFill>
+        <p:spPr bwMode="auto">
+          <a:xfrm>
+            <a:off x="8529916" y="443253"/>
+            <a:ext cx="3508702" cy="2861002"/>
+          </a:xfrm>
+          <a:prstGeom prst="rect">
+            <a:avLst/>
+          </a:prstGeom>
+          <a:noFill/>
+          <a:extLst>
+            <a:ext uri="{909E8E84-426E-40DD-AFC4-6F175D3DCCD1}">
+              <a14:hiddenFill xmlns:a14="http://schemas.microsoft.com/office/drawing/2010/main">
+                <a:solidFill>
+                  <a:srgbClr val="FFFFFF"/>
+                </a:solidFill>
+              </a14:hiddenFill>
+            </a:ext>
+          </a:extLst>
+        </p:spPr>
+      </p:pic>
+      <p:sp>
+        <p:nvSpPr>
+          <p:cNvPr id="5" name="TextBox 4">
+            <a:extLst>
+              <a:ext uri="{FF2B5EF4-FFF2-40B4-BE49-F238E27FC236}">
+                <a16:creationId xmlns:a16="http://schemas.microsoft.com/office/drawing/2014/main" id="{F9BC1ED7-6B67-1642-91F0-259973A94BBB}"/>
+              </a:ext>
+            </a:extLst>
+          </p:cNvPr>
+          <p:cNvSpPr txBox="1"/>
+          <p:nvPr/>
+        </p:nvSpPr>
+        <p:spPr>
+          <a:xfrm>
+            <a:off x="153382" y="667334"/>
+            <a:ext cx="5364549" cy="3046988"/>
+          </a:xfrm>
+          <a:prstGeom prst="rect">
+            <a:avLst/>
+          </a:prstGeom>
+          <a:noFill/>
+        </p:spPr>
+        <p:txBody>
+          <a:bodyPr wrap="square" rtlCol="0">
+            <a:spAutoFit/>
+          </a:bodyPr>
+          <a:lstStyle/>
+          <a:p>
+            <a:r>
+              <a:rPr lang="en-US" sz="1400" dirty="0"/>
+              <a:t>Power BI Desktop (a.k.a. Designer) is available </a:t>
+            </a:r>
+            <a:r>
+              <a:rPr lang="en-US" sz="1400" b="1" dirty="0">
+                <a:solidFill>
+                  <a:srgbClr val="FF0000"/>
+                </a:solidFill>
+              </a:rPr>
+              <a:t>ONLY on Windows</a:t>
+            </a:r>
+            <a:r>
+              <a:rPr lang="en-US" sz="1400" dirty="0"/>
+              <a:t>.</a:t>
+            </a:r>
+          </a:p>
+          <a:p>
+            <a:endParaRPr lang="en-US" sz="1400" dirty="0"/>
+          </a:p>
+          <a:p>
+            <a:r>
+              <a:rPr lang="en-US" sz="1400" dirty="0"/>
+              <a:t>If you are on a Mac, your choices are:</a:t>
+            </a:r>
+            <a:br>
+              <a:rPr lang="en-US" sz="1400" dirty="0"/>
+            </a:br>
+            <a:r>
+              <a:rPr lang="en-US" sz="1200" dirty="0"/>
+              <a:t> - </a:t>
+            </a:r>
+            <a:r>
+              <a:rPr lang="en-US" sz="1200" dirty="0">
+                <a:hlinkClick r:id="rId4"/>
+              </a:rPr>
+              <a:t>https://www.macworld.co.uk/feature/best-virtual-machine-software-3671133/</a:t>
+            </a:r>
+            <a:r>
+              <a:rPr lang="en-US" sz="1200" dirty="0"/>
+              <a:t> </a:t>
+            </a:r>
+            <a:br>
+              <a:rPr lang="en-US" sz="1200" dirty="0"/>
+            </a:br>
+            <a:endParaRPr lang="en-US" sz="1200" dirty="0"/>
+          </a:p>
+          <a:p>
+            <a:pPr marL="285750" indent="-285750">
+              <a:buFont typeface="Arial" panose="020B0604020202020204" pitchFamily="34" charset="0"/>
+              <a:buChar char="•"/>
+            </a:pPr>
+            <a:r>
+              <a:rPr lang="en-US" sz="1400" dirty="0"/>
+              <a:t>FREE - Wine ( </a:t>
+            </a:r>
+            <a:r>
+              <a:rPr lang="en-US" sz="1400" dirty="0">
+                <a:hlinkClick r:id="rId5"/>
+              </a:rPr>
+              <a:t>https://www.winehq.org/</a:t>
+            </a:r>
+            <a:r>
+              <a:rPr lang="en-US" sz="1400" dirty="0"/>
+              <a:t> ) </a:t>
+            </a:r>
+            <a:br>
+              <a:rPr lang="en-US" sz="1400" dirty="0"/>
+            </a:br>
+            <a:r>
+              <a:rPr lang="en-US" sz="1400" dirty="0"/>
+              <a:t>or VirtualBox  ( </a:t>
+            </a:r>
+            <a:r>
+              <a:rPr lang="en-US" sz="1400" dirty="0">
+                <a:hlinkClick r:id="rId6"/>
+              </a:rPr>
+              <a:t>https://www.virtualbox.org/</a:t>
+            </a:r>
+            <a:r>
+              <a:rPr lang="en-US" sz="1400" dirty="0"/>
+              <a:t> )</a:t>
+            </a:r>
+            <a:br>
+              <a:rPr lang="en-US" sz="1400" dirty="0"/>
+            </a:br>
+            <a:r>
+              <a:rPr lang="en-US" sz="1400" dirty="0"/>
+              <a:t>                            </a:t>
+            </a:r>
+            <a:r>
+              <a:rPr lang="en-US" sz="1400" dirty="0">
+                <a:hlinkClick r:id="rId7"/>
+              </a:rPr>
+              <a:t>https://www.youtube.com/watch?v=J-S_TvtIm5Y</a:t>
+            </a:r>
+            <a:r>
+              <a:rPr lang="en-US" sz="1400" dirty="0"/>
+              <a:t> </a:t>
+            </a:r>
+          </a:p>
+          <a:p>
+            <a:pPr marL="285750" indent="-285750">
+              <a:buFont typeface="Arial" panose="020B0604020202020204" pitchFamily="34" charset="0"/>
+              <a:buChar char="•"/>
+            </a:pPr>
+            <a:r>
+              <a:rPr lang="en-US" sz="1400" dirty="0"/>
+              <a:t>Parallels - $80</a:t>
+            </a:r>
+            <a:br>
+              <a:rPr lang="en-US" sz="1400" dirty="0"/>
+            </a:br>
+            <a:r>
+              <a:rPr lang="en-US" sz="1400" dirty="0"/>
+              <a:t> - </a:t>
+            </a:r>
+            <a:r>
+              <a:rPr lang="en-US" sz="1400" dirty="0">
+                <a:hlinkClick r:id="rId8"/>
+              </a:rPr>
+              <a:t>https://www.youtube.com/watch?v=r89fGOM1bq0</a:t>
+            </a:r>
+            <a:r>
+              <a:rPr lang="en-US" sz="1400" dirty="0"/>
+              <a:t>  </a:t>
+            </a:r>
+            <a:br>
+              <a:rPr lang="en-US" sz="1400" dirty="0"/>
+            </a:br>
+            <a:endParaRPr lang="en-US" sz="1400" dirty="0"/>
+          </a:p>
+          <a:p>
+            <a:pPr marL="285750" indent="-285750">
+              <a:buFont typeface="Arial" panose="020B0604020202020204" pitchFamily="34" charset="0"/>
+              <a:buChar char="•"/>
+            </a:pPr>
+            <a:r>
+              <a:rPr lang="en-US" sz="1400" dirty="0"/>
+              <a:t>Dual Boot (Apple's Boot Camp)</a:t>
+            </a:r>
+          </a:p>
+          <a:p>
+            <a:pPr marL="285750" indent="-285750">
+              <a:buFont typeface="Arial" panose="020B0604020202020204" pitchFamily="34" charset="0"/>
+              <a:buChar char="•"/>
+            </a:pPr>
+            <a:r>
+              <a:rPr lang="en-US" sz="1400" dirty="0" err="1"/>
+              <a:t>Trend.net</a:t>
+            </a:r>
+            <a:r>
+              <a:rPr lang="en-US" sz="1400" dirty="0"/>
+              <a:t>  $9/</a:t>
+            </a:r>
+            <a:r>
+              <a:rPr lang="en-US" sz="1400" dirty="0" err="1"/>
+              <a:t>mo</a:t>
+            </a:r>
+            <a:endParaRPr lang="en-US" sz="1400" dirty="0"/>
+          </a:p>
+          <a:p>
+            <a:pPr marL="285750" indent="-285750">
+              <a:buFont typeface="Arial" panose="020B0604020202020204" pitchFamily="34" charset="0"/>
+              <a:buChar char="•"/>
+            </a:pPr>
+            <a:r>
+              <a:rPr lang="en-US" sz="1400" dirty="0"/>
+              <a:t>Azure VM $100/</a:t>
+            </a:r>
+            <a:r>
+              <a:rPr lang="en-US" sz="1400" dirty="0" err="1"/>
+              <a:t>mo</a:t>
+            </a:r>
+            <a:endParaRPr lang="en-US" sz="1400" dirty="0"/>
+          </a:p>
+        </p:txBody>
+      </p:sp>
+      <p:sp>
+        <p:nvSpPr>
+          <p:cNvPr id="6" name="TextBox 5">
+            <a:extLst>
+              <a:ext uri="{FF2B5EF4-FFF2-40B4-BE49-F238E27FC236}">
+                <a16:creationId xmlns:a16="http://schemas.microsoft.com/office/drawing/2014/main" id="{596AB324-EABF-B945-BACA-5C5E93B1063A}"/>
+              </a:ext>
+            </a:extLst>
+          </p:cNvPr>
+          <p:cNvSpPr txBox="1"/>
+          <p:nvPr/>
+        </p:nvSpPr>
+        <p:spPr>
+          <a:xfrm>
+            <a:off x="5682427" y="1098221"/>
+            <a:ext cx="3113875" cy="1384995"/>
+          </a:xfrm>
+          <a:prstGeom prst="rect">
+            <a:avLst/>
+          </a:prstGeom>
+          <a:noFill/>
+        </p:spPr>
+        <p:txBody>
+          <a:bodyPr wrap="square" rtlCol="0">
+            <a:spAutoFit/>
+          </a:bodyPr>
+          <a:lstStyle/>
+          <a:p>
+            <a:r>
+              <a:rPr lang="en-US" sz="1400" b="1" dirty="0">
+                <a:solidFill>
+                  <a:srgbClr val="FF0000"/>
+                </a:solidFill>
+              </a:rPr>
+              <a:t>Available in Desktop Designer:</a:t>
+            </a:r>
+          </a:p>
+          <a:p>
+            <a:pPr marL="285750" indent="-285750">
+              <a:buFont typeface="Arial" panose="020B0604020202020204" pitchFamily="34" charset="0"/>
+              <a:buChar char="•"/>
+            </a:pPr>
+            <a:r>
+              <a:rPr lang="en-US" sz="1400" dirty="0"/>
+              <a:t>Data transformation, modeling, </a:t>
+            </a:r>
+            <a:br>
+              <a:rPr lang="en-US" sz="1400" dirty="0"/>
+            </a:br>
+            <a:r>
+              <a:rPr lang="en-US" sz="1400" dirty="0"/>
+              <a:t>and shaping</a:t>
+            </a:r>
+          </a:p>
+          <a:p>
+            <a:pPr marL="285750" indent="-285750">
+              <a:buFont typeface="Arial" panose="020B0604020202020204" pitchFamily="34" charset="0"/>
+              <a:buChar char="•"/>
+            </a:pPr>
+            <a:r>
+              <a:rPr lang="en-US" sz="1400" dirty="0"/>
+              <a:t>Calculated columns</a:t>
+            </a:r>
+          </a:p>
+          <a:p>
+            <a:pPr marL="285750" indent="-285750">
+              <a:buFont typeface="Arial" panose="020B0604020202020204" pitchFamily="34" charset="0"/>
+              <a:buChar char="•"/>
+            </a:pPr>
+            <a:r>
+              <a:rPr lang="en-US" sz="1400" dirty="0"/>
+              <a:t>Python and DAX</a:t>
+            </a:r>
+          </a:p>
+          <a:p>
+            <a:pPr marL="285750" indent="-285750">
+              <a:buFont typeface="Arial" panose="020B0604020202020204" pitchFamily="34" charset="0"/>
+              <a:buChar char="•"/>
+            </a:pPr>
+            <a:r>
+              <a:rPr lang="en-US" sz="1400" dirty="0"/>
+              <a:t>RLS creation (row-level security)</a:t>
+            </a:r>
+          </a:p>
+        </p:txBody>
+      </p:sp>
+      <p:sp>
+        <p:nvSpPr>
+          <p:cNvPr id="7" name="TextBox 6">
+            <a:extLst>
+              <a:ext uri="{FF2B5EF4-FFF2-40B4-BE49-F238E27FC236}">
+                <a16:creationId xmlns:a16="http://schemas.microsoft.com/office/drawing/2014/main" id="{6A680E7A-039E-0344-8729-C3A24CDBD5EC}"/>
+              </a:ext>
+            </a:extLst>
+          </p:cNvPr>
+          <p:cNvSpPr txBox="1"/>
+          <p:nvPr/>
+        </p:nvSpPr>
+        <p:spPr>
+          <a:xfrm>
+            <a:off x="5792975" y="4788621"/>
+            <a:ext cx="2892777" cy="1169551"/>
+          </a:xfrm>
+          <a:prstGeom prst="rect">
+            <a:avLst/>
+          </a:prstGeom>
+          <a:noFill/>
+        </p:spPr>
+        <p:txBody>
+          <a:bodyPr wrap="square" rtlCol="0">
+            <a:spAutoFit/>
+          </a:bodyPr>
+          <a:lstStyle/>
+          <a:p>
+            <a:r>
+              <a:rPr lang="en-US" sz="1400" b="1" dirty="0">
+                <a:solidFill>
+                  <a:srgbClr val="FF0000"/>
+                </a:solidFill>
+              </a:rPr>
+              <a:t>Power BI Service (online) include:</a:t>
+            </a:r>
+          </a:p>
+          <a:p>
+            <a:pPr marL="285750" indent="-285750">
+              <a:buFont typeface="Arial" panose="020B0604020202020204" pitchFamily="34" charset="0"/>
+              <a:buChar char="•"/>
+            </a:pPr>
+            <a:r>
+              <a:rPr lang="en-US" sz="1400" dirty="0"/>
+              <a:t>Dashboards</a:t>
+            </a:r>
+          </a:p>
+          <a:p>
+            <a:pPr marL="285750" indent="-285750">
+              <a:buFont typeface="Arial" panose="020B0604020202020204" pitchFamily="34" charset="0"/>
+              <a:buChar char="•"/>
+            </a:pPr>
+            <a:r>
+              <a:rPr lang="en-US" sz="1400" dirty="0"/>
+              <a:t>Sharing</a:t>
+            </a:r>
+          </a:p>
+          <a:p>
+            <a:pPr marL="285750" indent="-285750">
+              <a:buFont typeface="Arial" panose="020B0604020202020204" pitchFamily="34" charset="0"/>
+              <a:buChar char="•"/>
+            </a:pPr>
+            <a:r>
+              <a:rPr lang="en-US" sz="1400" dirty="0"/>
+              <a:t>RSL management</a:t>
+            </a:r>
+          </a:p>
+          <a:p>
+            <a:pPr marL="285750" indent="-285750">
+              <a:buFont typeface="Arial" panose="020B0604020202020204" pitchFamily="34" charset="0"/>
+              <a:buChar char="•"/>
+            </a:pPr>
+            <a:r>
+              <a:rPr lang="en-US" sz="1400" dirty="0"/>
+              <a:t>Gateway connections</a:t>
+            </a:r>
+          </a:p>
+        </p:txBody>
+      </p:sp>
+      <p:pic>
+        <p:nvPicPr>
+          <p:cNvPr id="1028" name="Picture 4">
+            <a:extLst>
+              <a:ext uri="{FF2B5EF4-FFF2-40B4-BE49-F238E27FC236}">
+                <a16:creationId xmlns:a16="http://schemas.microsoft.com/office/drawing/2014/main" id="{1B7EC1FB-9F2B-824A-8A74-1BEEF0C39C85}"/>
+              </a:ext>
+            </a:extLst>
+          </p:cNvPr>
+          <p:cNvPicPr>
+            <a:picLocks noChangeAspect="1" noChangeArrowheads="1"/>
+          </p:cNvPicPr>
+          <p:nvPr/>
+        </p:nvPicPr>
+        <p:blipFill>
+          <a:blip r:embed="rId9" cstate="email">
+            <a:extLst>
+              <a:ext uri="{28A0092B-C50C-407E-A947-70E740481C1C}">
+                <a14:useLocalDpi xmlns:a14="http://schemas.microsoft.com/office/drawing/2010/main"/>
+              </a:ext>
+            </a:extLst>
+          </a:blip>
+          <a:srcRect/>
+          <a:stretch>
+            <a:fillRect/>
+          </a:stretch>
+        </p:blipFill>
+        <p:spPr bwMode="auto">
+          <a:xfrm>
+            <a:off x="8529916" y="4069934"/>
+            <a:ext cx="3508702" cy="2706713"/>
+          </a:xfrm>
+          <a:prstGeom prst="rect">
+            <a:avLst/>
+          </a:prstGeom>
+          <a:noFill/>
+          <a:extLst>
+            <a:ext uri="{909E8E84-426E-40DD-AFC4-6F175D3DCCD1}">
+              <a14:hiddenFill xmlns:a14="http://schemas.microsoft.com/office/drawing/2010/main">
+                <a:solidFill>
+                  <a:srgbClr val="FFFFFF"/>
+                </a:solidFill>
+              </a14:hiddenFill>
+            </a:ext>
+          </a:extLst>
+        </p:spPr>
+      </p:pic>
+      <p:sp>
+        <p:nvSpPr>
+          <p:cNvPr id="8" name="TextBox 7">
+            <a:extLst>
+              <a:ext uri="{FF2B5EF4-FFF2-40B4-BE49-F238E27FC236}">
+                <a16:creationId xmlns:a16="http://schemas.microsoft.com/office/drawing/2014/main" id="{5328D939-C0C7-084A-8238-FCE88F1B7AED}"/>
+              </a:ext>
+            </a:extLst>
+          </p:cNvPr>
+          <p:cNvSpPr txBox="1"/>
+          <p:nvPr/>
+        </p:nvSpPr>
+        <p:spPr>
+          <a:xfrm>
+            <a:off x="8459506" y="27297"/>
+            <a:ext cx="2837759" cy="369332"/>
+          </a:xfrm>
+          <a:prstGeom prst="rect">
+            <a:avLst/>
+          </a:prstGeom>
+          <a:noFill/>
+        </p:spPr>
+        <p:txBody>
+          <a:bodyPr wrap="square" rtlCol="0">
+            <a:spAutoFit/>
+          </a:bodyPr>
+          <a:lstStyle/>
+          <a:p>
+            <a:r>
+              <a:rPr lang="en-US" dirty="0"/>
+              <a:t>Windows – Desktop app</a:t>
+            </a:r>
+          </a:p>
+        </p:txBody>
+      </p:sp>
+      <p:sp>
+        <p:nvSpPr>
+          <p:cNvPr id="11" name="TextBox 10">
+            <a:extLst>
+              <a:ext uri="{FF2B5EF4-FFF2-40B4-BE49-F238E27FC236}">
+                <a16:creationId xmlns:a16="http://schemas.microsoft.com/office/drawing/2014/main" id="{7CA3CF1C-D963-CD43-9A7D-2F9FBCDC8FD6}"/>
+              </a:ext>
+            </a:extLst>
+          </p:cNvPr>
+          <p:cNvSpPr txBox="1"/>
+          <p:nvPr/>
+        </p:nvSpPr>
+        <p:spPr>
+          <a:xfrm>
+            <a:off x="8459506" y="3677106"/>
+            <a:ext cx="2705023" cy="369332"/>
+          </a:xfrm>
+          <a:prstGeom prst="rect">
+            <a:avLst/>
+          </a:prstGeom>
+          <a:noFill/>
+        </p:spPr>
+        <p:txBody>
+          <a:bodyPr wrap="square" rtlCol="0">
+            <a:spAutoFit/>
+          </a:bodyPr>
+          <a:lstStyle/>
+          <a:p>
+            <a:r>
+              <a:rPr lang="en-US" dirty="0"/>
+              <a:t>in browser – online service</a:t>
+            </a:r>
+          </a:p>
+        </p:txBody>
+      </p:sp>
+      <p:sp>
+        <p:nvSpPr>
+          <p:cNvPr id="9" name="TextBox 8">
+            <a:extLst>
+              <a:ext uri="{FF2B5EF4-FFF2-40B4-BE49-F238E27FC236}">
+                <a16:creationId xmlns:a16="http://schemas.microsoft.com/office/drawing/2014/main" id="{F842F267-AEB1-074C-B49C-C1954FA89CF3}"/>
+              </a:ext>
+            </a:extLst>
+          </p:cNvPr>
+          <p:cNvSpPr txBox="1"/>
+          <p:nvPr/>
+        </p:nvSpPr>
+        <p:spPr>
+          <a:xfrm>
+            <a:off x="153382" y="6253316"/>
+            <a:ext cx="5942618" cy="523220"/>
+          </a:xfrm>
+          <a:prstGeom prst="rect">
+            <a:avLst/>
+          </a:prstGeom>
+          <a:noFill/>
+        </p:spPr>
+        <p:txBody>
+          <a:bodyPr wrap="square" rtlCol="0">
+            <a:spAutoFit/>
+          </a:bodyPr>
+          <a:lstStyle/>
+          <a:p>
+            <a:r>
+              <a:rPr lang="en-US" sz="1400" dirty="0"/>
+              <a:t>Comparison: desktop vs online:</a:t>
+            </a:r>
+          </a:p>
+          <a:p>
+            <a:r>
+              <a:rPr lang="en-US" sz="1400" dirty="0">
+                <a:hlinkClick r:id="rId10"/>
+              </a:rPr>
+              <a:t>https://spreadsheeto.com/power-bi-desktop-vs-online/#desktop-vs-online</a:t>
+            </a:r>
+            <a:r>
+              <a:rPr lang="en-US" sz="1400" dirty="0"/>
+              <a:t> </a:t>
+            </a:r>
+          </a:p>
+        </p:txBody>
+      </p:sp>
+    </p:spTree>
+    <p:extLst>
+      <p:ext uri="{BB962C8B-B14F-4D97-AF65-F5344CB8AC3E}">
+        <p14:creationId xmlns:p14="http://schemas.microsoft.com/office/powerpoint/2010/main" val="3610783350"/>
+      </p:ext>
+    </p:extLst>
+  </p:cSld>
+  <p:clrMapOvr>
+    <a:masterClrMapping/>
+  </p:clrMapOvr>
+</p:sld>
+</file>
+
+<file path=ppt/slides/slide3.xml><?xml version="1.0" encoding="utf-8"?>
+<p:sld xmlns:a="http://schemas.openxmlformats.org/drawingml/2006/main" xmlns:r="http://schemas.openxmlformats.org/officeDocument/2006/relationships" xmlns:p="http://schemas.openxmlformats.org/presentationml/2006/main">
+  <p:cSld>
+    <p:spTree>
+      <p:nvGrpSpPr>
+        <p:cNvPr id="1" name=""/>
+        <p:cNvGrpSpPr/>
+        <p:nvPr/>
+      </p:nvGrpSpPr>
+      <p:grpSpPr>
+        <a:xfrm>
+          <a:off x="0" y="0"/>
+          <a:ext cx="0" cy="0"/>
+          <a:chOff x="0" y="0"/>
+          <a:chExt cx="0" cy="0"/>
+        </a:xfrm>
+      </p:grpSpPr>
+      <p:sp>
+        <p:nvSpPr>
           <p:cNvPr id="14" name="TextBox 13">
             <a:extLst>
               <a:ext uri="{FF2B5EF4-FFF2-40B4-BE49-F238E27FC236}">
@@ -4459,6 +5212,75 @@
             <a:r>
               <a:rPr lang="en-US" sz="1400" dirty="0"/>
               <a:t>... </a:t>
+            </a:r>
+          </a:p>
+        </p:txBody>
+      </p:sp>
+      <p:sp>
+        <p:nvSpPr>
+          <p:cNvPr id="5" name="TextBox 4">
+            <a:extLst>
+              <a:ext uri="{FF2B5EF4-FFF2-40B4-BE49-F238E27FC236}">
+                <a16:creationId xmlns:a16="http://schemas.microsoft.com/office/drawing/2014/main" id="{6A2DE8E9-CDA8-3541-AC12-6367C1D2DFD3}"/>
+              </a:ext>
+            </a:extLst>
+          </p:cNvPr>
+          <p:cNvSpPr txBox="1"/>
+          <p:nvPr/>
+        </p:nvSpPr>
+        <p:spPr>
+          <a:xfrm>
+            <a:off x="263852" y="617621"/>
+            <a:ext cx="3993356" cy="923330"/>
+          </a:xfrm>
+          <a:prstGeom prst="rect">
+            <a:avLst/>
+          </a:prstGeom>
+          <a:noFill/>
+        </p:spPr>
+        <p:txBody>
+          <a:bodyPr wrap="square" rtlCol="0">
+            <a:spAutoFit/>
+          </a:bodyPr>
+          <a:lstStyle/>
+          <a:p>
+            <a:r>
+              <a:rPr lang="en-US" b="1" dirty="0" err="1">
+                <a:solidFill>
+                  <a:srgbClr val="FF0000"/>
+                </a:solidFill>
+              </a:rPr>
+              <a:t>powerapps.com</a:t>
+            </a:r>
+            <a:endParaRPr lang="en-US" b="1" dirty="0">
+              <a:solidFill>
+                <a:srgbClr val="FF0000"/>
+              </a:solidFill>
+            </a:endParaRPr>
+          </a:p>
+          <a:p>
+            <a:endParaRPr lang="en-US" sz="1200" dirty="0"/>
+          </a:p>
+          <a:p>
+            <a:r>
+              <a:rPr lang="en-US" sz="1200" dirty="0"/>
+              <a:t>Good short demo video:</a:t>
+            </a:r>
+          </a:p>
+          <a:p>
+            <a:r>
+              <a:rPr lang="en-US" sz="1200" dirty="0"/>
+              <a:t> - </a:t>
+            </a:r>
+            <a:r>
+              <a:rPr lang="en-US" sz="1200" dirty="0">
+                <a:hlinkClick r:id="rId7"/>
+              </a:rPr>
+              <a:t>https://www.youtube.com/watch?v=2RzCbd5XgJg</a:t>
+            </a:r>
+            <a:r>
+              <a:rPr lang="en-US" sz="1200" dirty="0"/>
+              <a:t> </a:t>
             </a:r>
           </a:p>
         </p:txBody>
